--- a/9°A/Telecomunicaciones/RA_9A_U4_E2.pptx
+++ b/9°A/Telecomunicaciones/RA_9A_U4_E2.pptx
@@ -1039,13 +1039,20 @@
         </dgm:presLayoutVars>
       </dgm:prSet>
       <dgm:spPr/>
+      <dgm:t>
+        <a:bodyPr/>
+        <a:lstStyle/>
+        <a:p>
+          <a:endParaRPr lang="es-MX"/>
+        </a:p>
+      </dgm:t>
     </dgm:pt>
     <dgm:pt modelId="{A0CF050C-DAE3-43AD-A2EA-BBEB7ED66451}" type="pres">
       <dgm:prSet presAssocID="{9435EB7D-8600-4B89-BAD5-4E08CBFFAF62}" presName="withChildren" presStyleCnt="0"/>
       <dgm:spPr/>
     </dgm:pt>
     <dgm:pt modelId="{3CDDB3C3-9DFF-4050-98D1-FA6519DB4FE2}" type="pres">
-      <dgm:prSet presAssocID="{9435EB7D-8600-4B89-BAD5-4E08CBFFAF62}" presName="bigCircle" presStyleLbl="vennNode1" presStyleIdx="0" presStyleCnt="3" custScaleX="68020" custScaleY="59878" custLinFactNeighborX="-52311" custLinFactNeighborY="1098"/>
+      <dgm:prSet presAssocID="{9435EB7D-8600-4B89-BAD5-4E08CBFFAF62}" presName="bigCircle" presStyleLbl="vennNode1" presStyleIdx="0" presStyleCnt="3" custScaleX="68020" custScaleY="59878" custLinFactNeighborX="-52311" custLinFactNeighborY="344"/>
       <dgm:spPr/>
     </dgm:pt>
     <dgm:pt modelId="{788062F4-B974-4A5B-AEB0-F476B9C4012C}" type="pres">
@@ -1058,6 +1065,13 @@
           </a:stretch>
         </a:blipFill>
       </dgm:spPr>
+      <dgm:t>
+        <a:bodyPr/>
+        <a:lstStyle/>
+        <a:p>
+          <a:endParaRPr lang="es-MX"/>
+        </a:p>
+      </dgm:t>
     </dgm:pt>
     <dgm:pt modelId="{341864CB-FEA0-45EC-8A47-F7A9291B021D}" type="pres">
       <dgm:prSet presAssocID="{9435EB7D-8600-4B89-BAD5-4E08CBFFAF62}" presName="txLvl1" presStyleLbl="revTx" presStyleIdx="0" presStyleCnt="3" custLinFactY="37621" custLinFactNeighborX="-47107" custLinFactNeighborY="100000"/>
@@ -1077,6 +1091,13 @@
     <dgm:pt modelId="{6B232F0B-3AC9-467B-9ABC-A155FB33DF3C}" type="pres">
       <dgm:prSet presAssocID="{C37BCD0E-6D8C-4E8A-938A-B67370D9811A}" presName="txLvl2" presStyleLbl="revTx" presStyleIdx="1" presStyleCnt="3" custLinFactY="146927" custLinFactNeighborX="-51783" custLinFactNeighborY="200000"/>
       <dgm:spPr/>
+      <dgm:t>
+        <a:bodyPr/>
+        <a:lstStyle/>
+        <a:p>
+          <a:endParaRPr lang="es-MX"/>
+        </a:p>
+      </dgm:t>
     </dgm:pt>
     <dgm:pt modelId="{492AD6D4-9FFC-4129-9B36-443B2294E7FF}" type="pres">
       <dgm:prSet presAssocID="{9F1FDD76-5C85-4FB8-99DD-23D0ABB56FDE}" presName="smCircle" presStyleLbl="vennNode1" presStyleIdx="2" presStyleCnt="3" custLinFactX="-600000" custLinFactY="-100000" custLinFactNeighborX="-648095" custLinFactNeighborY="-121528"/>
@@ -1085,16 +1106,23 @@
     <dgm:pt modelId="{711DF540-4C18-431F-A65F-4932F1640FC7}" type="pres">
       <dgm:prSet presAssocID="{EE238AB3-7FB1-4CFC-9EFF-5D83E0F511BF}" presName="txLvl2" presStyleLbl="revTx" presStyleIdx="2" presStyleCnt="3" custLinFactY="122214" custLinFactNeighborX="-43725" custLinFactNeighborY="200000"/>
       <dgm:spPr/>
+      <dgm:t>
+        <a:bodyPr/>
+        <a:lstStyle/>
+        <a:p>
+          <a:endParaRPr lang="es-MX"/>
+        </a:p>
+      </dgm:t>
     </dgm:pt>
   </dgm:ptLst>
   <dgm:cxnLst>
+    <dgm:cxn modelId="{C3054808-B77F-4B22-823B-6CD386EC2B26}" srcId="{9435EB7D-8600-4B89-BAD5-4E08CBFFAF62}" destId="{EE238AB3-7FB1-4CFC-9EFF-5D83E0F511BF}" srcOrd="1" destOrd="0" parTransId="{0929EDF9-85B3-4C51-A170-4AC7F73B7B2D}" sibTransId="{9867B185-F7B6-4F01-AA04-1819CA99171D}"/>
+    <dgm:cxn modelId="{69C01C09-EA03-455B-B593-F1970B9C942F}" type="presOf" srcId="{9269B8B5-4EC4-4308-8EA9-9DE521245556}" destId="{FE48BDF7-5989-4D52-8BEF-84CD53250579}" srcOrd="0" destOrd="0" presId="urn:microsoft.com/office/officeart/2008/layout/VerticalCircleList"/>
+    <dgm:cxn modelId="{C3108B40-8317-4FD8-9BB3-2F1C22CFB81C}" type="presOf" srcId="{9435EB7D-8600-4B89-BAD5-4E08CBFFAF62}" destId="{341864CB-FEA0-45EC-8A47-F7A9291B021D}" srcOrd="0" destOrd="0" presId="urn:microsoft.com/office/officeart/2008/layout/VerticalCircleList"/>
     <dgm:cxn modelId="{DB1FDFC8-55D6-48EB-913B-8B9A8DBA1DEE}" type="presOf" srcId="{C37BCD0E-6D8C-4E8A-938A-B67370D9811A}" destId="{6B232F0B-3AC9-467B-9ABC-A155FB33DF3C}" srcOrd="0" destOrd="0" presId="urn:microsoft.com/office/officeart/2008/layout/VerticalCircleList"/>
     <dgm:cxn modelId="{4CCA2D87-1F57-4C1C-8632-71006106CE18}" srcId="{9435EB7D-8600-4B89-BAD5-4E08CBFFAF62}" destId="{C37BCD0E-6D8C-4E8A-938A-B67370D9811A}" srcOrd="0" destOrd="0" parTransId="{79DAEB41-57FE-4E09-8F63-3B430D00BFD5}" sibTransId="{9F1FDD76-5C85-4FB8-99DD-23D0ABB56FDE}"/>
-    <dgm:cxn modelId="{C3108B40-8317-4FD8-9BB3-2F1C22CFB81C}" type="presOf" srcId="{9435EB7D-8600-4B89-BAD5-4E08CBFFAF62}" destId="{341864CB-FEA0-45EC-8A47-F7A9291B021D}" srcOrd="0" destOrd="0" presId="urn:microsoft.com/office/officeart/2008/layout/VerticalCircleList"/>
+    <dgm:cxn modelId="{913DAAD7-1CD7-4C2D-99D8-A47411542AEE}" srcId="{9269B8B5-4EC4-4308-8EA9-9DE521245556}" destId="{9435EB7D-8600-4B89-BAD5-4E08CBFFAF62}" srcOrd="0" destOrd="0" parTransId="{29B53A3A-7FA7-4462-9FBF-3098BD55213C}" sibTransId="{10523280-0669-451A-A1DB-E6FE7179D0E0}"/>
     <dgm:cxn modelId="{E3F69054-B5E2-4DD8-8ACB-BD26D49B2238}" type="presOf" srcId="{EE238AB3-7FB1-4CFC-9EFF-5D83E0F511BF}" destId="{711DF540-4C18-431F-A65F-4932F1640FC7}" srcOrd="0" destOrd="0" presId="urn:microsoft.com/office/officeart/2008/layout/VerticalCircleList"/>
-    <dgm:cxn modelId="{69C01C09-EA03-455B-B593-F1970B9C942F}" type="presOf" srcId="{9269B8B5-4EC4-4308-8EA9-9DE521245556}" destId="{FE48BDF7-5989-4D52-8BEF-84CD53250579}" srcOrd="0" destOrd="0" presId="urn:microsoft.com/office/officeart/2008/layout/VerticalCircleList"/>
-    <dgm:cxn modelId="{C3054808-B77F-4B22-823B-6CD386EC2B26}" srcId="{9435EB7D-8600-4B89-BAD5-4E08CBFFAF62}" destId="{EE238AB3-7FB1-4CFC-9EFF-5D83E0F511BF}" srcOrd="1" destOrd="0" parTransId="{0929EDF9-85B3-4C51-A170-4AC7F73B7B2D}" sibTransId="{9867B185-F7B6-4F01-AA04-1819CA99171D}"/>
-    <dgm:cxn modelId="{913DAAD7-1CD7-4C2D-99D8-A47411542AEE}" srcId="{9269B8B5-4EC4-4308-8EA9-9DE521245556}" destId="{9435EB7D-8600-4B89-BAD5-4E08CBFFAF62}" srcOrd="0" destOrd="0" parTransId="{29B53A3A-7FA7-4462-9FBF-3098BD55213C}" sibTransId="{10523280-0669-451A-A1DB-E6FE7179D0E0}"/>
     <dgm:cxn modelId="{9B60349B-4C8C-4C9B-9BD3-AA336D1F1CFF}" type="presParOf" srcId="{FE48BDF7-5989-4D52-8BEF-84CD53250579}" destId="{A0CF050C-DAE3-43AD-A2EA-BBEB7ED66451}" srcOrd="0" destOrd="0" presId="urn:microsoft.com/office/officeart/2008/layout/VerticalCircleList"/>
     <dgm:cxn modelId="{977169ED-2E1C-4DD4-9C73-20CB0AD63C3E}" type="presParOf" srcId="{A0CF050C-DAE3-43AD-A2EA-BBEB7ED66451}" destId="{3CDDB3C3-9DFF-4050-98D1-FA6519DB4FE2}" srcOrd="0" destOrd="0" presId="urn:microsoft.com/office/officeart/2008/layout/VerticalCircleList"/>
     <dgm:cxn modelId="{299EE9EB-3948-4502-8A39-23A25EFEA862}" type="presParOf" srcId="{A0CF050C-DAE3-43AD-A2EA-BBEB7ED66451}" destId="{788062F4-B974-4A5B-AEB0-F476B9C4012C}" srcOrd="1" destOrd="0" presId="urn:microsoft.com/office/officeart/2008/layout/VerticalCircleList"/>
@@ -3160,7 +3188,7 @@
           <a:p>
             <a:fld id="{78E30400-3883-43D6-89E6-B51E2AB6DD63}" type="datetimeFigureOut">
               <a:rPr lang="es-MX" smtClean="0"/>
-              <a:t>10/08/2019</a:t>
+              <a:t>12/08/2019</a:t>
             </a:fld>
             <a:endParaRPr lang="es-MX"/>
           </a:p>
@@ -3645,7 +3673,7 @@
           <a:p>
             <a:fld id="{F658FD06-6E50-4566-8B2E-573D3F98639E}" type="datetimeFigureOut">
               <a:rPr lang="es-MX" smtClean="0"/>
-              <a:t>10/08/2019</a:t>
+              <a:t>12/08/2019</a:t>
             </a:fld>
             <a:endParaRPr lang="es-MX"/>
           </a:p>
@@ -3932,7 +3960,7 @@
           <a:p>
             <a:fld id="{F658FD06-6E50-4566-8B2E-573D3F98639E}" type="datetimeFigureOut">
               <a:rPr lang="es-MX" smtClean="0"/>
-              <a:t>10/08/2019</a:t>
+              <a:t>12/08/2019</a:t>
             </a:fld>
             <a:endParaRPr lang="es-MX"/>
           </a:p>
@@ -4124,7 +4152,7 @@
           <a:p>
             <a:fld id="{F658FD06-6E50-4566-8B2E-573D3F98639E}" type="datetimeFigureOut">
               <a:rPr lang="es-MX" smtClean="0"/>
-              <a:t>10/08/2019</a:t>
+              <a:t>12/08/2019</a:t>
             </a:fld>
             <a:endParaRPr lang="es-MX"/>
           </a:p>
@@ -4385,7 +4413,7 @@
           <a:p>
             <a:fld id="{F658FD06-6E50-4566-8B2E-573D3F98639E}" type="datetimeFigureOut">
               <a:rPr lang="es-MX" smtClean="0"/>
-              <a:t>10/08/2019</a:t>
+              <a:t>12/08/2019</a:t>
             </a:fld>
             <a:endParaRPr lang="es-MX"/>
           </a:p>
@@ -4809,7 +4837,7 @@
           <a:p>
             <a:fld id="{F658FD06-6E50-4566-8B2E-573D3F98639E}" type="datetimeFigureOut">
               <a:rPr lang="es-MX" smtClean="0"/>
-              <a:t>10/08/2019</a:t>
+              <a:t>12/08/2019</a:t>
             </a:fld>
             <a:endParaRPr lang="es-MX"/>
           </a:p>
@@ -5355,7 +5383,7 @@
           <a:p>
             <a:fld id="{F658FD06-6E50-4566-8B2E-573D3F98639E}" type="datetimeFigureOut">
               <a:rPr lang="es-MX" smtClean="0"/>
-              <a:t>10/08/2019</a:t>
+              <a:t>12/08/2019</a:t>
             </a:fld>
             <a:endParaRPr lang="es-MX"/>
           </a:p>
@@ -6195,7 +6223,7 @@
           <a:p>
             <a:fld id="{F658FD06-6E50-4566-8B2E-573D3F98639E}" type="datetimeFigureOut">
               <a:rPr lang="es-MX" smtClean="0"/>
-              <a:t>10/08/2019</a:t>
+              <a:t>12/08/2019</a:t>
             </a:fld>
             <a:endParaRPr lang="es-MX"/>
           </a:p>
@@ -6365,7 +6393,7 @@
           <a:p>
             <a:fld id="{F658FD06-6E50-4566-8B2E-573D3F98639E}" type="datetimeFigureOut">
               <a:rPr lang="es-MX" smtClean="0"/>
-              <a:t>10/08/2019</a:t>
+              <a:t>12/08/2019</a:t>
             </a:fld>
             <a:endParaRPr lang="es-MX"/>
           </a:p>
@@ -6549,7 +6577,7 @@
           <a:p>
             <a:fld id="{F658FD06-6E50-4566-8B2E-573D3F98639E}" type="datetimeFigureOut">
               <a:rPr lang="es-MX" smtClean="0"/>
-              <a:t>10/08/2019</a:t>
+              <a:t>12/08/2019</a:t>
             </a:fld>
             <a:endParaRPr lang="es-MX"/>
           </a:p>
@@ -6719,7 +6747,7 @@
           <a:p>
             <a:fld id="{F658FD06-6E50-4566-8B2E-573D3F98639E}" type="datetimeFigureOut">
               <a:rPr lang="es-MX" smtClean="0"/>
-              <a:t>10/08/2019</a:t>
+              <a:t>12/08/2019</a:t>
             </a:fld>
             <a:endParaRPr lang="es-MX"/>
           </a:p>
@@ -6967,7 +6995,7 @@
           <a:p>
             <a:fld id="{F658FD06-6E50-4566-8B2E-573D3F98639E}" type="datetimeFigureOut">
               <a:rPr lang="es-MX" smtClean="0"/>
-              <a:t>10/08/2019</a:t>
+              <a:t>12/08/2019</a:t>
             </a:fld>
             <a:endParaRPr lang="es-MX"/>
           </a:p>
@@ -7204,7 +7232,7 @@
           <a:p>
             <a:fld id="{F658FD06-6E50-4566-8B2E-573D3F98639E}" type="datetimeFigureOut">
               <a:rPr lang="es-MX" smtClean="0"/>
-              <a:t>10/08/2019</a:t>
+              <a:t>12/08/2019</a:t>
             </a:fld>
             <a:endParaRPr lang="es-MX"/>
           </a:p>
@@ -7577,7 +7605,7 @@
           <a:p>
             <a:fld id="{F658FD06-6E50-4566-8B2E-573D3F98639E}" type="datetimeFigureOut">
               <a:rPr lang="es-MX" smtClean="0"/>
-              <a:t>10/08/2019</a:t>
+              <a:t>12/08/2019</a:t>
             </a:fld>
             <a:endParaRPr lang="es-MX"/>
           </a:p>
@@ -7695,7 +7723,7 @@
           <a:p>
             <a:fld id="{F658FD06-6E50-4566-8B2E-573D3F98639E}" type="datetimeFigureOut">
               <a:rPr lang="es-MX" smtClean="0"/>
-              <a:t>10/08/2019</a:t>
+              <a:t>12/08/2019</a:t>
             </a:fld>
             <a:endParaRPr lang="es-MX"/>
           </a:p>
@@ -7790,7 +7818,7 @@
           <a:p>
             <a:fld id="{F658FD06-6E50-4566-8B2E-573D3F98639E}" type="datetimeFigureOut">
               <a:rPr lang="es-MX" smtClean="0"/>
-              <a:t>10/08/2019</a:t>
+              <a:t>12/08/2019</a:t>
             </a:fld>
             <a:endParaRPr lang="es-MX"/>
           </a:p>
@@ -8041,7 +8069,7 @@
           <a:p>
             <a:fld id="{F658FD06-6E50-4566-8B2E-573D3F98639E}" type="datetimeFigureOut">
               <a:rPr lang="es-MX" smtClean="0"/>
-              <a:t>10/08/2019</a:t>
+              <a:t>12/08/2019</a:t>
             </a:fld>
             <a:endParaRPr lang="es-MX"/>
           </a:p>
@@ -8328,7 +8356,7 @@
           <a:p>
             <a:fld id="{F658FD06-6E50-4566-8B2E-573D3F98639E}" type="datetimeFigureOut">
               <a:rPr lang="es-MX" smtClean="0"/>
-              <a:t>10/08/2019</a:t>
+              <a:t>12/08/2019</a:t>
             </a:fld>
             <a:endParaRPr lang="es-MX"/>
           </a:p>
@@ -8541,7 +8569,7 @@
           <a:p>
             <a:fld id="{F658FD06-6E50-4566-8B2E-573D3F98639E}" type="datetimeFigureOut">
               <a:rPr lang="es-MX" smtClean="0"/>
-              <a:t>10/08/2019</a:t>
+              <a:t>12/08/2019</a:t>
             </a:fld>
             <a:endParaRPr lang="es-MX"/>
           </a:p>
@@ -9300,11 +9328,7 @@
             </a:r>
             <a:r>
               <a:rPr lang="es-MX" dirty="0" smtClean="0"/>
-              <a:t>  </a:t>
-            </a:r>
-            <a:r>
-              <a:rPr lang="es-MX" dirty="0" smtClean="0"/>
-              <a:t>12/Agosto/2019</a:t>
+              <a:t>  12/Agosto/2019</a:t>
             </a:r>
             <a:endParaRPr lang="es-MX" dirty="0"/>
           </a:p>
@@ -10455,7 +10479,7 @@
           <p:nvPr>
             <p:extLst>
               <p:ext uri="{D42A27DB-BD31-4B8C-83A1-F6EECF244321}">
-                <p14:modId xmlns:p14="http://schemas.microsoft.com/office/powerpoint/2010/main" val="1378850440"/>
+                <p14:modId xmlns:p14="http://schemas.microsoft.com/office/powerpoint/2010/main" val="2165883193"/>
               </p:ext>
             </p:extLst>
           </p:nvPr>
@@ -10906,39 +10930,7 @@
                 <a:ea typeface="Calibri" panose="020F0502020204030204" pitchFamily="34" charset="0"/>
                 <a:cs typeface="Times New Roman" panose="02020603050405020304" pitchFamily="18" charset="0"/>
               </a:rPr>
-              <a:t>Los </a:t>
-            </a:r>
-            <a:r>
-              <a:rPr lang="es-MX" sz="2800" dirty="0" smtClean="0">
-                <a:ln w="0"/>
-                <a:effectLst>
-                  <a:outerShdw blurRad="38100" dist="19050" dir="2700000" algn="tl" rotWithShape="0">
-                    <a:schemeClr val="dk1">
-                      <a:alpha val="40000"/>
-                    </a:schemeClr>
-                  </a:outerShdw>
-                </a:effectLst>
-                <a:latin typeface="Arial" panose="020B0604020202020204" pitchFamily="34" charset="0"/>
-                <a:ea typeface="Calibri" panose="020F0502020204030204" pitchFamily="34" charset="0"/>
-                <a:cs typeface="Times New Roman" panose="02020603050405020304" pitchFamily="18" charset="0"/>
-              </a:rPr>
-              <a:t>enlaces pueden ser incrementados por el uso de repetidores la cual amplifican y re direcciona la </a:t>
-            </a:r>
-            <a:r>
-              <a:rPr lang="es-MX" sz="2800" dirty="0" smtClean="0">
-                <a:ln w="0"/>
-                <a:effectLst>
-                  <a:outerShdw blurRad="38100" dist="19050" dir="2700000" algn="tl" rotWithShape="0">
-                    <a:schemeClr val="dk1">
-                      <a:alpha val="40000"/>
-                    </a:schemeClr>
-                  </a:outerShdw>
-                </a:effectLst>
-                <a:latin typeface="Arial" panose="020B0604020202020204" pitchFamily="34" charset="0"/>
-                <a:ea typeface="Calibri" panose="020F0502020204030204" pitchFamily="34" charset="0"/>
-                <a:cs typeface="Times New Roman" panose="02020603050405020304" pitchFamily="18" charset="0"/>
-              </a:rPr>
-              <a:t>señal</a:t>
+              <a:t>Los enlaces pueden ser incrementados por el uso de repetidores la cual amplifican y re direcciona la señal</a:t>
             </a:r>
             <a:r>
               <a:rPr lang="es-MX" sz="2800" dirty="0" smtClean="0">
